--- a/Thủy Tiên - 0912463/Seminar/Topic #8b - Section 8 & 9.pptx
+++ b/Thủy Tiên - 0912463/Seminar/Topic #8b - Section 8 & 9.pptx
@@ -212,6 +212,7 @@
           <a:p>
             <a:fld id="{05A1084F-7AB2-425A-B7C3-A8734C630B61}" type="datetimeFigureOut">
               <a:rPr lang="en-US" smtClean="0"/>
+              <a:pPr/>
               <a:t>11/29/2011</a:t>
             </a:fld>
             <a:endParaRPr lang="en-US"/>
@@ -373,6 +374,7 @@
           <a:p>
             <a:fld id="{05274C04-BFC4-4BD2-A6AE-08075F7AFA61}" type="slidenum">
               <a:rPr lang="en-US" smtClean="0"/>
+              <a:pPr/>
               <a:t>‹#›</a:t>
             </a:fld>
             <a:endParaRPr lang="en-US"/>
@@ -716,6 +718,7 @@
           <a:p>
             <a:fld id="{05274C04-BFC4-4BD2-A6AE-08075F7AFA61}" type="slidenum">
               <a:rPr lang="en-US" smtClean="0"/>
+              <a:pPr/>
               <a:t>3</a:t>
             </a:fld>
             <a:endParaRPr lang="en-US"/>
@@ -797,6 +800,7 @@
           <a:p>
             <a:fld id="{05274C04-BFC4-4BD2-A6AE-08075F7AFA61}" type="slidenum">
               <a:rPr lang="en-US" smtClean="0"/>
+              <a:pPr/>
               <a:t>4</a:t>
             </a:fld>
             <a:endParaRPr lang="en-US"/>
@@ -878,6 +882,7 @@
           <a:p>
             <a:fld id="{05274C04-BFC4-4BD2-A6AE-08075F7AFA61}" type="slidenum">
               <a:rPr lang="en-US" smtClean="0"/>
+              <a:pPr/>
               <a:t>6</a:t>
             </a:fld>
             <a:endParaRPr lang="en-US"/>
@@ -959,6 +964,7 @@
           <a:p>
             <a:fld id="{05274C04-BFC4-4BD2-A6AE-08075F7AFA61}" type="slidenum">
               <a:rPr lang="en-US" smtClean="0"/>
+              <a:pPr/>
               <a:t>7</a:t>
             </a:fld>
             <a:endParaRPr lang="en-US"/>
@@ -1040,6 +1046,7 @@
           <a:p>
             <a:fld id="{05274C04-BFC4-4BD2-A6AE-08075F7AFA61}" type="slidenum">
               <a:rPr lang="en-US" smtClean="0"/>
+              <a:pPr/>
               <a:t>11</a:t>
             </a:fld>
             <a:endParaRPr lang="en-US"/>
@@ -1235,6 +1242,7 @@
           <a:p>
             <a:fld id="{FBFE3745-A615-4932-BB55-F3CCCCF66844}" type="datetimeFigureOut">
               <a:rPr lang="en-US" smtClean="0"/>
+              <a:pPr/>
               <a:t>11/29/2011</a:t>
             </a:fld>
             <a:endParaRPr lang="en-US"/>
@@ -1277,6 +1285,7 @@
           <a:p>
             <a:fld id="{EED546EB-B683-47D5-8C7D-113C172A3357}" type="slidenum">
               <a:rPr lang="en-US" smtClean="0"/>
+              <a:pPr/>
               <a:t>‹#›</a:t>
             </a:fld>
             <a:endParaRPr lang="en-US"/>
@@ -1400,6 +1409,7 @@
           <a:p>
             <a:fld id="{FBFE3745-A615-4932-BB55-F3CCCCF66844}" type="datetimeFigureOut">
               <a:rPr lang="en-US" smtClean="0"/>
+              <a:pPr/>
               <a:t>11/29/2011</a:t>
             </a:fld>
             <a:endParaRPr lang="en-US"/>
@@ -1442,6 +1452,7 @@
           <a:p>
             <a:fld id="{EED546EB-B683-47D5-8C7D-113C172A3357}" type="slidenum">
               <a:rPr lang="en-US" smtClean="0"/>
+              <a:pPr/>
               <a:t>‹#›</a:t>
             </a:fld>
             <a:endParaRPr lang="en-US"/>
@@ -1575,6 +1586,7 @@
           <a:p>
             <a:fld id="{FBFE3745-A615-4932-BB55-F3CCCCF66844}" type="datetimeFigureOut">
               <a:rPr lang="en-US" smtClean="0"/>
+              <a:pPr/>
               <a:t>11/29/2011</a:t>
             </a:fld>
             <a:endParaRPr lang="en-US"/>
@@ -1617,6 +1629,7 @@
           <a:p>
             <a:fld id="{EED546EB-B683-47D5-8C7D-113C172A3357}" type="slidenum">
               <a:rPr lang="en-US" smtClean="0"/>
+              <a:pPr/>
               <a:t>‹#›</a:t>
             </a:fld>
             <a:endParaRPr lang="en-US"/>
@@ -1740,6 +1753,7 @@
           <a:p>
             <a:fld id="{FBFE3745-A615-4932-BB55-F3CCCCF66844}" type="datetimeFigureOut">
               <a:rPr lang="en-US" smtClean="0"/>
+              <a:pPr/>
               <a:t>11/29/2011</a:t>
             </a:fld>
             <a:endParaRPr lang="en-US"/>
@@ -1782,6 +1796,7 @@
           <a:p>
             <a:fld id="{EED546EB-B683-47D5-8C7D-113C172A3357}" type="slidenum">
               <a:rPr lang="en-US" smtClean="0"/>
+              <a:pPr/>
               <a:t>‹#›</a:t>
             </a:fld>
             <a:endParaRPr lang="en-US"/>
@@ -1981,6 +1996,7 @@
           <a:p>
             <a:fld id="{FBFE3745-A615-4932-BB55-F3CCCCF66844}" type="datetimeFigureOut">
               <a:rPr lang="en-US" smtClean="0"/>
+              <a:pPr/>
               <a:t>11/29/2011</a:t>
             </a:fld>
             <a:endParaRPr lang="en-US"/>
@@ -2023,6 +2039,7 @@
           <a:p>
             <a:fld id="{EED546EB-B683-47D5-8C7D-113C172A3357}" type="slidenum">
               <a:rPr lang="en-US" smtClean="0"/>
+              <a:pPr/>
               <a:t>‹#›</a:t>
             </a:fld>
             <a:endParaRPr lang="en-US"/>
@@ -2264,6 +2281,7 @@
           <a:p>
             <a:fld id="{FBFE3745-A615-4932-BB55-F3CCCCF66844}" type="datetimeFigureOut">
               <a:rPr lang="en-US" smtClean="0"/>
+              <a:pPr/>
               <a:t>11/29/2011</a:t>
             </a:fld>
             <a:endParaRPr lang="en-US"/>
@@ -2306,6 +2324,7 @@
           <a:p>
             <a:fld id="{EED546EB-B683-47D5-8C7D-113C172A3357}" type="slidenum">
               <a:rPr lang="en-US" smtClean="0"/>
+              <a:pPr/>
               <a:t>‹#›</a:t>
             </a:fld>
             <a:endParaRPr lang="en-US"/>
@@ -2681,6 +2700,7 @@
           <a:p>
             <a:fld id="{FBFE3745-A615-4932-BB55-F3CCCCF66844}" type="datetimeFigureOut">
               <a:rPr lang="en-US" smtClean="0"/>
+              <a:pPr/>
               <a:t>11/29/2011</a:t>
             </a:fld>
             <a:endParaRPr lang="en-US"/>
@@ -2723,6 +2743,7 @@
           <a:p>
             <a:fld id="{EED546EB-B683-47D5-8C7D-113C172A3357}" type="slidenum">
               <a:rPr lang="en-US" smtClean="0"/>
+              <a:pPr/>
               <a:t>‹#›</a:t>
             </a:fld>
             <a:endParaRPr lang="en-US"/>
@@ -2794,6 +2815,7 @@
           <a:p>
             <a:fld id="{FBFE3745-A615-4932-BB55-F3CCCCF66844}" type="datetimeFigureOut">
               <a:rPr lang="en-US" smtClean="0"/>
+              <a:pPr/>
               <a:t>11/29/2011</a:t>
             </a:fld>
             <a:endParaRPr lang="en-US"/>
@@ -2836,6 +2858,7 @@
           <a:p>
             <a:fld id="{EED546EB-B683-47D5-8C7D-113C172A3357}" type="slidenum">
               <a:rPr lang="en-US" smtClean="0"/>
+              <a:pPr/>
               <a:t>‹#›</a:t>
             </a:fld>
             <a:endParaRPr lang="en-US"/>
@@ -2884,6 +2907,7 @@
           <a:p>
             <a:fld id="{FBFE3745-A615-4932-BB55-F3CCCCF66844}" type="datetimeFigureOut">
               <a:rPr lang="en-US" smtClean="0"/>
+              <a:pPr/>
               <a:t>11/29/2011</a:t>
             </a:fld>
             <a:endParaRPr lang="en-US"/>
@@ -2926,6 +2950,7 @@
           <a:p>
             <a:fld id="{EED546EB-B683-47D5-8C7D-113C172A3357}" type="slidenum">
               <a:rPr lang="en-US" smtClean="0"/>
+              <a:pPr/>
               <a:t>‹#›</a:t>
             </a:fld>
             <a:endParaRPr lang="en-US"/>
@@ -3156,6 +3181,7 @@
           <a:p>
             <a:fld id="{FBFE3745-A615-4932-BB55-F3CCCCF66844}" type="datetimeFigureOut">
               <a:rPr lang="en-US" smtClean="0"/>
+              <a:pPr/>
               <a:t>11/29/2011</a:t>
             </a:fld>
             <a:endParaRPr lang="en-US"/>
@@ -3198,6 +3224,7 @@
           <a:p>
             <a:fld id="{EED546EB-B683-47D5-8C7D-113C172A3357}" type="slidenum">
               <a:rPr lang="en-US" smtClean="0"/>
+              <a:pPr/>
               <a:t>‹#›</a:t>
             </a:fld>
             <a:endParaRPr lang="en-US"/>
@@ -3404,6 +3431,7 @@
           <a:p>
             <a:fld id="{FBFE3745-A615-4932-BB55-F3CCCCF66844}" type="datetimeFigureOut">
               <a:rPr lang="en-US" smtClean="0"/>
+              <a:pPr/>
               <a:t>11/29/2011</a:t>
             </a:fld>
             <a:endParaRPr lang="en-US"/>
@@ -3446,6 +3474,7 @@
           <a:p>
             <a:fld id="{EED546EB-B683-47D5-8C7D-113C172A3357}" type="slidenum">
               <a:rPr lang="en-US" smtClean="0"/>
+              <a:pPr/>
               <a:t>‹#›</a:t>
             </a:fld>
             <a:endParaRPr lang="en-US"/>
@@ -3612,6 +3641,7 @@
           <a:p>
             <a:fld id="{FBFE3745-A615-4932-BB55-F3CCCCF66844}" type="datetimeFigureOut">
               <a:rPr lang="en-US" smtClean="0"/>
+              <a:pPr/>
               <a:t>11/29/2011</a:t>
             </a:fld>
             <a:endParaRPr lang="en-US"/>
@@ -3690,6 +3720,7 @@
           <a:p>
             <a:fld id="{EED546EB-B683-47D5-8C7D-113C172A3357}" type="slidenum">
               <a:rPr lang="en-US" smtClean="0"/>
+              <a:pPr/>
               <a:t>‹#›</a:t>
             </a:fld>
             <a:endParaRPr lang="en-US"/>
@@ -4008,7 +4039,7 @@
             <a:blip r:embed="rId2" cstate="print">
               <a:extLst>
                 <a:ext uri="{28A0092B-C50C-407E-A947-70E740481C1C}">
-                  <a14:useLocalDpi xmlns:a14="http://schemas.microsoft.com/office/drawing/2010/main" xmlns="" val="0"/>
+                  <a14:useLocalDpi xmlns="" xmlns:a14="http://schemas.microsoft.com/office/drawing/2010/main" val="0"/>
                 </a:ext>
               </a:extLst>
             </a:blip>
@@ -4094,7 +4125,7 @@
             <a:blip r:embed="rId3" cstate="print">
               <a:extLst>
                 <a:ext uri="{28A0092B-C50C-407E-A947-70E740481C1C}">
-                  <a14:useLocalDpi xmlns:a14="http://schemas.microsoft.com/office/drawing/2010/main" xmlns="" val="0"/>
+                  <a14:useLocalDpi xmlns="" xmlns:a14="http://schemas.microsoft.com/office/drawing/2010/main" val="0"/>
                 </a:ext>
               </a:extLst>
             </a:blip>
@@ -4179,7 +4210,7 @@
             <a:blip r:embed="rId4" cstate="print">
               <a:extLst>
                 <a:ext uri="{28A0092B-C50C-407E-A947-70E740481C1C}">
-                  <a14:useLocalDpi xmlns:a14="http://schemas.microsoft.com/office/drawing/2010/main" xmlns="" val="0"/>
+                  <a14:useLocalDpi xmlns="" xmlns:a14="http://schemas.microsoft.com/office/drawing/2010/main" val="0"/>
                 </a:ext>
               </a:extLst>
             </a:blip>
@@ -4264,7 +4295,7 @@
             <a:blip r:embed="rId5" cstate="print">
               <a:extLst>
                 <a:ext uri="{28A0092B-C50C-407E-A947-70E740481C1C}">
-                  <a14:useLocalDpi xmlns:a14="http://schemas.microsoft.com/office/drawing/2010/main" xmlns="" val="0"/>
+                  <a14:useLocalDpi xmlns="" xmlns:a14="http://schemas.microsoft.com/office/drawing/2010/main" val="0"/>
                 </a:ext>
               </a:extLst>
             </a:blip>
@@ -4349,7 +4380,7 @@
             <a:blip r:embed="rId6" cstate="print">
               <a:extLst>
                 <a:ext uri="{28A0092B-C50C-407E-A947-70E740481C1C}">
-                  <a14:useLocalDpi xmlns:a14="http://schemas.microsoft.com/office/drawing/2010/main" xmlns="" val="0"/>
+                  <a14:useLocalDpi xmlns="" xmlns:a14="http://schemas.microsoft.com/office/drawing/2010/main" val="0"/>
                 </a:ext>
               </a:extLst>
             </a:blip>
@@ -4435,7 +4466,7 @@
             <a:blip r:embed="rId7" cstate="print">
               <a:extLst>
                 <a:ext uri="{28A0092B-C50C-407E-A947-70E740481C1C}">
-                  <a14:useLocalDpi xmlns:a14="http://schemas.microsoft.com/office/drawing/2010/main" xmlns="" val="0"/>
+                  <a14:useLocalDpi xmlns="" xmlns:a14="http://schemas.microsoft.com/office/drawing/2010/main" val="0"/>
                 </a:ext>
               </a:extLst>
             </a:blip>
@@ -4520,7 +4551,7 @@
             <a:blip r:embed="rId8" cstate="print">
               <a:extLst>
                 <a:ext uri="{28A0092B-C50C-407E-A947-70E740481C1C}">
-                  <a14:useLocalDpi xmlns:a14="http://schemas.microsoft.com/office/drawing/2010/main" xmlns="" val="0"/>
+                  <a14:useLocalDpi xmlns="" xmlns:a14="http://schemas.microsoft.com/office/drawing/2010/main" val="0"/>
                 </a:ext>
               </a:extLst>
             </a:blip>
@@ -4606,7 +4637,7 @@
             <a:blip r:embed="rId9" cstate="print">
               <a:extLst>
                 <a:ext uri="{28A0092B-C50C-407E-A947-70E740481C1C}">
-                  <a14:useLocalDpi xmlns:a14="http://schemas.microsoft.com/office/drawing/2010/main" xmlns="" val="0"/>
+                  <a14:useLocalDpi xmlns="" xmlns:a14="http://schemas.microsoft.com/office/drawing/2010/main" val="0"/>
                 </a:ext>
               </a:extLst>
             </a:blip>
@@ -4692,7 +4723,7 @@
             <a:blip r:embed="rId10" cstate="print">
               <a:extLst>
                 <a:ext uri="{28A0092B-C50C-407E-A947-70E740481C1C}">
-                  <a14:useLocalDpi xmlns:a14="http://schemas.microsoft.com/office/drawing/2010/main" xmlns="" val="0"/>
+                  <a14:useLocalDpi xmlns="" xmlns:a14="http://schemas.microsoft.com/office/drawing/2010/main" val="0"/>
                 </a:ext>
               </a:extLst>
             </a:blip>
@@ -6205,7 +6236,7 @@
             <a:blip r:embed="rId2" cstate="print">
               <a:extLst>
                 <a:ext uri="{28A0092B-C50C-407E-A947-70E740481C1C}">
-                  <a14:useLocalDpi xmlns:a14="http://schemas.microsoft.com/office/drawing/2010/main" xmlns="" val="0"/>
+                  <a14:useLocalDpi xmlns="" xmlns:a14="http://schemas.microsoft.com/office/drawing/2010/main" val="0"/>
                 </a:ext>
               </a:extLst>
             </a:blip>
@@ -6291,7 +6322,7 @@
             <a:blip r:embed="rId3" cstate="print">
               <a:extLst>
                 <a:ext uri="{28A0092B-C50C-407E-A947-70E740481C1C}">
-                  <a14:useLocalDpi xmlns:a14="http://schemas.microsoft.com/office/drawing/2010/main" xmlns="" val="0"/>
+                  <a14:useLocalDpi xmlns="" xmlns:a14="http://schemas.microsoft.com/office/drawing/2010/main" val="0"/>
                 </a:ext>
               </a:extLst>
             </a:blip>
@@ -6376,7 +6407,7 @@
             <a:blip r:embed="rId4" cstate="print">
               <a:extLst>
                 <a:ext uri="{28A0092B-C50C-407E-A947-70E740481C1C}">
-                  <a14:useLocalDpi xmlns:a14="http://schemas.microsoft.com/office/drawing/2010/main" xmlns="" val="0"/>
+                  <a14:useLocalDpi xmlns="" xmlns:a14="http://schemas.microsoft.com/office/drawing/2010/main" val="0"/>
                 </a:ext>
               </a:extLst>
             </a:blip>
@@ -6461,7 +6492,7 @@
             <a:blip r:embed="rId5" cstate="print">
               <a:extLst>
                 <a:ext uri="{28A0092B-C50C-407E-A947-70E740481C1C}">
-                  <a14:useLocalDpi xmlns:a14="http://schemas.microsoft.com/office/drawing/2010/main" xmlns="" val="0"/>
+                  <a14:useLocalDpi xmlns="" xmlns:a14="http://schemas.microsoft.com/office/drawing/2010/main" val="0"/>
                 </a:ext>
               </a:extLst>
             </a:blip>
@@ -6546,7 +6577,7 @@
             <a:blip r:embed="rId6" cstate="print">
               <a:extLst>
                 <a:ext uri="{28A0092B-C50C-407E-A947-70E740481C1C}">
-                  <a14:useLocalDpi xmlns:a14="http://schemas.microsoft.com/office/drawing/2010/main" xmlns="" val="0"/>
+                  <a14:useLocalDpi xmlns="" xmlns:a14="http://schemas.microsoft.com/office/drawing/2010/main" val="0"/>
                 </a:ext>
               </a:extLst>
             </a:blip>
@@ -6632,7 +6663,7 @@
             <a:blip r:embed="rId7" cstate="print">
               <a:extLst>
                 <a:ext uri="{28A0092B-C50C-407E-A947-70E740481C1C}">
-                  <a14:useLocalDpi xmlns:a14="http://schemas.microsoft.com/office/drawing/2010/main" xmlns="" val="0"/>
+                  <a14:useLocalDpi xmlns="" xmlns:a14="http://schemas.microsoft.com/office/drawing/2010/main" val="0"/>
                 </a:ext>
               </a:extLst>
             </a:blip>
@@ -6717,7 +6748,7 @@
             <a:blip r:embed="rId8" cstate="print">
               <a:extLst>
                 <a:ext uri="{28A0092B-C50C-407E-A947-70E740481C1C}">
-                  <a14:useLocalDpi xmlns:a14="http://schemas.microsoft.com/office/drawing/2010/main" xmlns="" val="0"/>
+                  <a14:useLocalDpi xmlns="" xmlns:a14="http://schemas.microsoft.com/office/drawing/2010/main" val="0"/>
                 </a:ext>
               </a:extLst>
             </a:blip>
@@ -6803,7 +6834,7 @@
             <a:blip r:embed="rId9" cstate="print">
               <a:extLst>
                 <a:ext uri="{28A0092B-C50C-407E-A947-70E740481C1C}">
-                  <a14:useLocalDpi xmlns:a14="http://schemas.microsoft.com/office/drawing/2010/main" xmlns="" val="0"/>
+                  <a14:useLocalDpi xmlns="" xmlns:a14="http://schemas.microsoft.com/office/drawing/2010/main" val="0"/>
                 </a:ext>
               </a:extLst>
             </a:blip>
@@ -6889,7 +6920,7 @@
             <a:blip r:embed="rId10" cstate="print">
               <a:extLst>
                 <a:ext uri="{28A0092B-C50C-407E-A947-70E740481C1C}">
-                  <a14:useLocalDpi xmlns:a14="http://schemas.microsoft.com/office/drawing/2010/main" xmlns="" val="0"/>
+                  <a14:useLocalDpi xmlns="" xmlns:a14="http://schemas.microsoft.com/office/drawing/2010/main" val="0"/>
                 </a:ext>
               </a:extLst>
             </a:blip>
@@ -7895,7 +7926,6 @@
               <a:rPr lang="en-US" dirty="0" smtClean="0"/>
               <a:t>OODBMS: ODL/OQL.</a:t>
             </a:r>
-            <a:endParaRPr lang="en-US" dirty="0" smtClean="0"/>
           </a:p>
           <a:p>
             <a:r>

--- a/Thủy Tiên - 0912463/Seminar/Topic #8b - Section 8 & 9.pptx
+++ b/Thủy Tiên - 0912463/Seminar/Topic #8b - Section 8 & 9.pptx
@@ -213,7 +213,7 @@
             <a:fld id="{05A1084F-7AB2-425A-B7C3-A8734C630B61}" type="datetimeFigureOut">
               <a:rPr lang="en-US" smtClean="0"/>
               <a:pPr/>
-              <a:t>11/29/2011</a:t>
+              <a:t>12/12/2011</a:t>
             </a:fld>
             <a:endParaRPr lang="en-US"/>
           </a:p>
@@ -1243,7 +1243,7 @@
             <a:fld id="{FBFE3745-A615-4932-BB55-F3CCCCF66844}" type="datetimeFigureOut">
               <a:rPr lang="en-US" smtClean="0"/>
               <a:pPr/>
-              <a:t>11/29/2011</a:t>
+              <a:t>12/12/2011</a:t>
             </a:fld>
             <a:endParaRPr lang="en-US"/>
           </a:p>
@@ -1410,7 +1410,7 @@
             <a:fld id="{FBFE3745-A615-4932-BB55-F3CCCCF66844}" type="datetimeFigureOut">
               <a:rPr lang="en-US" smtClean="0"/>
               <a:pPr/>
-              <a:t>11/29/2011</a:t>
+              <a:t>12/12/2011</a:t>
             </a:fld>
             <a:endParaRPr lang="en-US"/>
           </a:p>
@@ -1587,7 +1587,7 @@
             <a:fld id="{FBFE3745-A615-4932-BB55-F3CCCCF66844}" type="datetimeFigureOut">
               <a:rPr lang="en-US" smtClean="0"/>
               <a:pPr/>
-              <a:t>11/29/2011</a:t>
+              <a:t>12/12/2011</a:t>
             </a:fld>
             <a:endParaRPr lang="en-US"/>
           </a:p>
@@ -1754,7 +1754,7 @@
             <a:fld id="{FBFE3745-A615-4932-BB55-F3CCCCF66844}" type="datetimeFigureOut">
               <a:rPr lang="en-US" smtClean="0"/>
               <a:pPr/>
-              <a:t>11/29/2011</a:t>
+              <a:t>12/12/2011</a:t>
             </a:fld>
             <a:endParaRPr lang="en-US"/>
           </a:p>
@@ -1997,7 +1997,7 @@
             <a:fld id="{FBFE3745-A615-4932-BB55-F3CCCCF66844}" type="datetimeFigureOut">
               <a:rPr lang="en-US" smtClean="0"/>
               <a:pPr/>
-              <a:t>11/29/2011</a:t>
+              <a:t>12/12/2011</a:t>
             </a:fld>
             <a:endParaRPr lang="en-US"/>
           </a:p>
@@ -2282,7 +2282,7 @@
             <a:fld id="{FBFE3745-A615-4932-BB55-F3CCCCF66844}" type="datetimeFigureOut">
               <a:rPr lang="en-US" smtClean="0"/>
               <a:pPr/>
-              <a:t>11/29/2011</a:t>
+              <a:t>12/12/2011</a:t>
             </a:fld>
             <a:endParaRPr lang="en-US"/>
           </a:p>
@@ -2701,7 +2701,7 @@
             <a:fld id="{FBFE3745-A615-4932-BB55-F3CCCCF66844}" type="datetimeFigureOut">
               <a:rPr lang="en-US" smtClean="0"/>
               <a:pPr/>
-              <a:t>11/29/2011</a:t>
+              <a:t>12/12/2011</a:t>
             </a:fld>
             <a:endParaRPr lang="en-US"/>
           </a:p>
@@ -2816,7 +2816,7 @@
             <a:fld id="{FBFE3745-A615-4932-BB55-F3CCCCF66844}" type="datetimeFigureOut">
               <a:rPr lang="en-US" smtClean="0"/>
               <a:pPr/>
-              <a:t>11/29/2011</a:t>
+              <a:t>12/12/2011</a:t>
             </a:fld>
             <a:endParaRPr lang="en-US"/>
           </a:p>
@@ -2908,7 +2908,7 @@
             <a:fld id="{FBFE3745-A615-4932-BB55-F3CCCCF66844}" type="datetimeFigureOut">
               <a:rPr lang="en-US" smtClean="0"/>
               <a:pPr/>
-              <a:t>11/29/2011</a:t>
+              <a:t>12/12/2011</a:t>
             </a:fld>
             <a:endParaRPr lang="en-US"/>
           </a:p>
@@ -3182,7 +3182,7 @@
             <a:fld id="{FBFE3745-A615-4932-BB55-F3CCCCF66844}" type="datetimeFigureOut">
               <a:rPr lang="en-US" smtClean="0"/>
               <a:pPr/>
-              <a:t>11/29/2011</a:t>
+              <a:t>12/12/2011</a:t>
             </a:fld>
             <a:endParaRPr lang="en-US"/>
           </a:p>
@@ -3432,7 +3432,7 @@
             <a:fld id="{FBFE3745-A615-4932-BB55-F3CCCCF66844}" type="datetimeFigureOut">
               <a:rPr lang="en-US" smtClean="0"/>
               <a:pPr/>
-              <a:t>11/29/2011</a:t>
+              <a:t>12/12/2011</a:t>
             </a:fld>
             <a:endParaRPr lang="en-US"/>
           </a:p>
@@ -3642,7 +3642,7 @@
             <a:fld id="{FBFE3745-A615-4932-BB55-F3CCCCF66844}" type="datetimeFigureOut">
               <a:rPr lang="en-US" smtClean="0"/>
               <a:pPr/>
-              <a:t>11/29/2011</a:t>
+              <a:t>12/12/2011</a:t>
             </a:fld>
             <a:endParaRPr lang="en-US"/>
           </a:p>
@@ -4039,7 +4039,7 @@
             <a:blip r:embed="rId2" cstate="print">
               <a:extLst>
                 <a:ext uri="{28A0092B-C50C-407E-A947-70E740481C1C}">
-                  <a14:useLocalDpi xmlns="" xmlns:a14="http://schemas.microsoft.com/office/drawing/2010/main" val="0"/>
+                  <a14:useLocalDpi xmlns:a14="http://schemas.microsoft.com/office/drawing/2010/main" xmlns="" val="0"/>
                 </a:ext>
               </a:extLst>
             </a:blip>
@@ -4125,7 +4125,7 @@
             <a:blip r:embed="rId3" cstate="print">
               <a:extLst>
                 <a:ext uri="{28A0092B-C50C-407E-A947-70E740481C1C}">
-                  <a14:useLocalDpi xmlns="" xmlns:a14="http://schemas.microsoft.com/office/drawing/2010/main" val="0"/>
+                  <a14:useLocalDpi xmlns:a14="http://schemas.microsoft.com/office/drawing/2010/main" xmlns="" val="0"/>
                 </a:ext>
               </a:extLst>
             </a:blip>
@@ -4210,7 +4210,7 @@
             <a:blip r:embed="rId4" cstate="print">
               <a:extLst>
                 <a:ext uri="{28A0092B-C50C-407E-A947-70E740481C1C}">
-                  <a14:useLocalDpi xmlns="" xmlns:a14="http://schemas.microsoft.com/office/drawing/2010/main" val="0"/>
+                  <a14:useLocalDpi xmlns:a14="http://schemas.microsoft.com/office/drawing/2010/main" xmlns="" val="0"/>
                 </a:ext>
               </a:extLst>
             </a:blip>
@@ -4295,7 +4295,7 @@
             <a:blip r:embed="rId5" cstate="print">
               <a:extLst>
                 <a:ext uri="{28A0092B-C50C-407E-A947-70E740481C1C}">
-                  <a14:useLocalDpi xmlns="" xmlns:a14="http://schemas.microsoft.com/office/drawing/2010/main" val="0"/>
+                  <a14:useLocalDpi xmlns:a14="http://schemas.microsoft.com/office/drawing/2010/main" xmlns="" val="0"/>
                 </a:ext>
               </a:extLst>
             </a:blip>
@@ -4380,7 +4380,7 @@
             <a:blip r:embed="rId6" cstate="print">
               <a:extLst>
                 <a:ext uri="{28A0092B-C50C-407E-A947-70E740481C1C}">
-                  <a14:useLocalDpi xmlns="" xmlns:a14="http://schemas.microsoft.com/office/drawing/2010/main" val="0"/>
+                  <a14:useLocalDpi xmlns:a14="http://schemas.microsoft.com/office/drawing/2010/main" xmlns="" val="0"/>
                 </a:ext>
               </a:extLst>
             </a:blip>
@@ -4466,7 +4466,7 @@
             <a:blip r:embed="rId7" cstate="print">
               <a:extLst>
                 <a:ext uri="{28A0092B-C50C-407E-A947-70E740481C1C}">
-                  <a14:useLocalDpi xmlns="" xmlns:a14="http://schemas.microsoft.com/office/drawing/2010/main" val="0"/>
+                  <a14:useLocalDpi xmlns:a14="http://schemas.microsoft.com/office/drawing/2010/main" xmlns="" val="0"/>
                 </a:ext>
               </a:extLst>
             </a:blip>
@@ -4551,7 +4551,7 @@
             <a:blip r:embed="rId8" cstate="print">
               <a:extLst>
                 <a:ext uri="{28A0092B-C50C-407E-A947-70E740481C1C}">
-                  <a14:useLocalDpi xmlns="" xmlns:a14="http://schemas.microsoft.com/office/drawing/2010/main" val="0"/>
+                  <a14:useLocalDpi xmlns:a14="http://schemas.microsoft.com/office/drawing/2010/main" xmlns="" val="0"/>
                 </a:ext>
               </a:extLst>
             </a:blip>
@@ -4637,7 +4637,7 @@
             <a:blip r:embed="rId9" cstate="print">
               <a:extLst>
                 <a:ext uri="{28A0092B-C50C-407E-A947-70E740481C1C}">
-                  <a14:useLocalDpi xmlns="" xmlns:a14="http://schemas.microsoft.com/office/drawing/2010/main" val="0"/>
+                  <a14:useLocalDpi xmlns:a14="http://schemas.microsoft.com/office/drawing/2010/main" xmlns="" val="0"/>
                 </a:ext>
               </a:extLst>
             </a:blip>
@@ -4723,7 +4723,7 @@
             <a:blip r:embed="rId10" cstate="print">
               <a:extLst>
                 <a:ext uri="{28A0092B-C50C-407E-A947-70E740481C1C}">
-                  <a14:useLocalDpi xmlns="" xmlns:a14="http://schemas.microsoft.com/office/drawing/2010/main" val="0"/>
+                  <a14:useLocalDpi xmlns:a14="http://schemas.microsoft.com/office/drawing/2010/main" xmlns="" val="0"/>
                 </a:ext>
               </a:extLst>
             </a:blip>
@@ -6236,7 +6236,7 @@
             <a:blip r:embed="rId2" cstate="print">
               <a:extLst>
                 <a:ext uri="{28A0092B-C50C-407E-A947-70E740481C1C}">
-                  <a14:useLocalDpi xmlns="" xmlns:a14="http://schemas.microsoft.com/office/drawing/2010/main" val="0"/>
+                  <a14:useLocalDpi xmlns:a14="http://schemas.microsoft.com/office/drawing/2010/main" xmlns="" val="0"/>
                 </a:ext>
               </a:extLst>
             </a:blip>
@@ -6322,7 +6322,7 @@
             <a:blip r:embed="rId3" cstate="print">
               <a:extLst>
                 <a:ext uri="{28A0092B-C50C-407E-A947-70E740481C1C}">
-                  <a14:useLocalDpi xmlns="" xmlns:a14="http://schemas.microsoft.com/office/drawing/2010/main" val="0"/>
+                  <a14:useLocalDpi xmlns:a14="http://schemas.microsoft.com/office/drawing/2010/main" xmlns="" val="0"/>
                 </a:ext>
               </a:extLst>
             </a:blip>
@@ -6407,7 +6407,7 @@
             <a:blip r:embed="rId4" cstate="print">
               <a:extLst>
                 <a:ext uri="{28A0092B-C50C-407E-A947-70E740481C1C}">
-                  <a14:useLocalDpi xmlns="" xmlns:a14="http://schemas.microsoft.com/office/drawing/2010/main" val="0"/>
+                  <a14:useLocalDpi xmlns:a14="http://schemas.microsoft.com/office/drawing/2010/main" xmlns="" val="0"/>
                 </a:ext>
               </a:extLst>
             </a:blip>
@@ -6492,7 +6492,7 @@
             <a:blip r:embed="rId5" cstate="print">
               <a:extLst>
                 <a:ext uri="{28A0092B-C50C-407E-A947-70E740481C1C}">
-                  <a14:useLocalDpi xmlns="" xmlns:a14="http://schemas.microsoft.com/office/drawing/2010/main" val="0"/>
+                  <a14:useLocalDpi xmlns:a14="http://schemas.microsoft.com/office/drawing/2010/main" xmlns="" val="0"/>
                 </a:ext>
               </a:extLst>
             </a:blip>
@@ -6577,7 +6577,7 @@
             <a:blip r:embed="rId6" cstate="print">
               <a:extLst>
                 <a:ext uri="{28A0092B-C50C-407E-A947-70E740481C1C}">
-                  <a14:useLocalDpi xmlns="" xmlns:a14="http://schemas.microsoft.com/office/drawing/2010/main" val="0"/>
+                  <a14:useLocalDpi xmlns:a14="http://schemas.microsoft.com/office/drawing/2010/main" xmlns="" val="0"/>
                 </a:ext>
               </a:extLst>
             </a:blip>
@@ -6663,7 +6663,7 @@
             <a:blip r:embed="rId7" cstate="print">
               <a:extLst>
                 <a:ext uri="{28A0092B-C50C-407E-A947-70E740481C1C}">
-                  <a14:useLocalDpi xmlns="" xmlns:a14="http://schemas.microsoft.com/office/drawing/2010/main" val="0"/>
+                  <a14:useLocalDpi xmlns:a14="http://schemas.microsoft.com/office/drawing/2010/main" xmlns="" val="0"/>
                 </a:ext>
               </a:extLst>
             </a:blip>
@@ -6748,7 +6748,7 @@
             <a:blip r:embed="rId8" cstate="print">
               <a:extLst>
                 <a:ext uri="{28A0092B-C50C-407E-A947-70E740481C1C}">
-                  <a14:useLocalDpi xmlns="" xmlns:a14="http://schemas.microsoft.com/office/drawing/2010/main" val="0"/>
+                  <a14:useLocalDpi xmlns:a14="http://schemas.microsoft.com/office/drawing/2010/main" xmlns="" val="0"/>
                 </a:ext>
               </a:extLst>
             </a:blip>
@@ -6834,7 +6834,7 @@
             <a:blip r:embed="rId9" cstate="print">
               <a:extLst>
                 <a:ext uri="{28A0092B-C50C-407E-A947-70E740481C1C}">
-                  <a14:useLocalDpi xmlns="" xmlns:a14="http://schemas.microsoft.com/office/drawing/2010/main" val="0"/>
+                  <a14:useLocalDpi xmlns:a14="http://schemas.microsoft.com/office/drawing/2010/main" xmlns="" val="0"/>
                 </a:ext>
               </a:extLst>
             </a:blip>
@@ -6920,7 +6920,7 @@
             <a:blip r:embed="rId10" cstate="print">
               <a:extLst>
                 <a:ext uri="{28A0092B-C50C-407E-A947-70E740481C1C}">
-                  <a14:useLocalDpi xmlns="" xmlns:a14="http://schemas.microsoft.com/office/drawing/2010/main" val="0"/>
+                  <a14:useLocalDpi xmlns:a14="http://schemas.microsoft.com/office/drawing/2010/main" xmlns="" val="0"/>
                 </a:ext>
               </a:extLst>
             </a:blip>
